--- a/Documentation/Presentations/dylans-project-spec-slides.pptx
+++ b/Documentation/Presentations/dylans-project-spec-slides.pptx
@@ -1,20 +1,115 @@
 
 <file path=ppt/presentation.xml><?xml version="1.0" encoding="utf-8"?>
-<p:presentation xmlns:a="http://schemas.openxmlformats.org/drawingml/2006/main" xmlns:p="http://schemas.openxmlformats.org/presentationml/2006/main" xmlns:r="http://schemas.openxmlformats.org/officeDocument/2006/relationships">
+<p:presentation xmlns:a="http://schemas.openxmlformats.org/drawingml/2006/main" xmlns:r="http://schemas.openxmlformats.org/officeDocument/2006/relationships" xmlns:p="http://schemas.openxmlformats.org/presentationml/2006/main">
   <p:sldMasterIdLst>
-    <p:sldMasterId id="2147483648" r:id="rId2"/>
+    <p:sldMasterId id="2147483648" r:id="rId1"/>
   </p:sldMasterIdLst>
   <p:sldIdLst>
-    <p:sldId id="256" r:id="rId3"/>
-    <p:sldId id="257" r:id="rId4"/>
+    <p:sldId id="258" r:id="rId2"/>
+    <p:sldId id="259" r:id="rId3"/>
   </p:sldIdLst>
   <p:sldSz cx="10080625" cy="7559675"/>
   <p:notesSz cx="7772400" cy="10058400"/>
+  <p:defaultTextStyle>
+    <a:defPPr>
+      <a:defRPr lang="en-US"/>
+    </a:defPPr>
+    <a:lvl1pPr marL="0" algn="l" defTabSz="914400" rtl="0" eaLnBrk="1" latinLnBrk="0" hangingPunct="1">
+      <a:defRPr sz="1800" kern="1200">
+        <a:solidFill>
+          <a:schemeClr val="tx1"/>
+        </a:solidFill>
+        <a:latin typeface="+mn-lt"/>
+        <a:ea typeface="+mn-ea"/>
+        <a:cs typeface="+mn-cs"/>
+      </a:defRPr>
+    </a:lvl1pPr>
+    <a:lvl2pPr marL="457200" algn="l" defTabSz="914400" rtl="0" eaLnBrk="1" latinLnBrk="0" hangingPunct="1">
+      <a:defRPr sz="1800" kern="1200">
+        <a:solidFill>
+          <a:schemeClr val="tx1"/>
+        </a:solidFill>
+        <a:latin typeface="+mn-lt"/>
+        <a:ea typeface="+mn-ea"/>
+        <a:cs typeface="+mn-cs"/>
+      </a:defRPr>
+    </a:lvl2pPr>
+    <a:lvl3pPr marL="914400" algn="l" defTabSz="914400" rtl="0" eaLnBrk="1" latinLnBrk="0" hangingPunct="1">
+      <a:defRPr sz="1800" kern="1200">
+        <a:solidFill>
+          <a:schemeClr val="tx1"/>
+        </a:solidFill>
+        <a:latin typeface="+mn-lt"/>
+        <a:ea typeface="+mn-ea"/>
+        <a:cs typeface="+mn-cs"/>
+      </a:defRPr>
+    </a:lvl3pPr>
+    <a:lvl4pPr marL="1371600" algn="l" defTabSz="914400" rtl="0" eaLnBrk="1" latinLnBrk="0" hangingPunct="1">
+      <a:defRPr sz="1800" kern="1200">
+        <a:solidFill>
+          <a:schemeClr val="tx1"/>
+        </a:solidFill>
+        <a:latin typeface="+mn-lt"/>
+        <a:ea typeface="+mn-ea"/>
+        <a:cs typeface="+mn-cs"/>
+      </a:defRPr>
+    </a:lvl4pPr>
+    <a:lvl5pPr marL="1828800" algn="l" defTabSz="914400" rtl="0" eaLnBrk="1" latinLnBrk="0" hangingPunct="1">
+      <a:defRPr sz="1800" kern="1200">
+        <a:solidFill>
+          <a:schemeClr val="tx1"/>
+        </a:solidFill>
+        <a:latin typeface="+mn-lt"/>
+        <a:ea typeface="+mn-ea"/>
+        <a:cs typeface="+mn-cs"/>
+      </a:defRPr>
+    </a:lvl5pPr>
+    <a:lvl6pPr marL="2286000" algn="l" defTabSz="914400" rtl="0" eaLnBrk="1" latinLnBrk="0" hangingPunct="1">
+      <a:defRPr sz="1800" kern="1200">
+        <a:solidFill>
+          <a:schemeClr val="tx1"/>
+        </a:solidFill>
+        <a:latin typeface="+mn-lt"/>
+        <a:ea typeface="+mn-ea"/>
+        <a:cs typeface="+mn-cs"/>
+      </a:defRPr>
+    </a:lvl6pPr>
+    <a:lvl7pPr marL="2743200" algn="l" defTabSz="914400" rtl="0" eaLnBrk="1" latinLnBrk="0" hangingPunct="1">
+      <a:defRPr sz="1800" kern="1200">
+        <a:solidFill>
+          <a:schemeClr val="tx1"/>
+        </a:solidFill>
+        <a:latin typeface="+mn-lt"/>
+        <a:ea typeface="+mn-ea"/>
+        <a:cs typeface="+mn-cs"/>
+      </a:defRPr>
+    </a:lvl7pPr>
+    <a:lvl8pPr marL="3200400" algn="l" defTabSz="914400" rtl="0" eaLnBrk="1" latinLnBrk="0" hangingPunct="1">
+      <a:defRPr sz="1800" kern="1200">
+        <a:solidFill>
+          <a:schemeClr val="tx1"/>
+        </a:solidFill>
+        <a:latin typeface="+mn-lt"/>
+        <a:ea typeface="+mn-ea"/>
+        <a:cs typeface="+mn-cs"/>
+      </a:defRPr>
+    </a:lvl8pPr>
+    <a:lvl9pPr marL="3657600" algn="l" defTabSz="914400" rtl="0" eaLnBrk="1" latinLnBrk="0" hangingPunct="1">
+      <a:defRPr sz="1800" kern="1200">
+        <a:solidFill>
+          <a:schemeClr val="tx1"/>
+        </a:solidFill>
+        <a:latin typeface="+mn-lt"/>
+        <a:ea typeface="+mn-ea"/>
+        <a:cs typeface="+mn-cs"/>
+      </a:defRPr>
+    </a:lvl9pPr>
+  </p:defaultTextStyle>
 </p:presentation>
 </file>
 
 <file path=ppt/slideLayouts/slideLayout1.xml><?xml version="1.0" encoding="utf-8"?>
-<p:sldLayout xmlns:a="http://schemas.openxmlformats.org/drawingml/2006/main" xmlns:p="http://schemas.openxmlformats.org/presentationml/2006/main" xmlns:r="http://schemas.openxmlformats.org/officeDocument/2006/relationships" type="blank" preserve="1">
+<p:sldLayout xmlns:a="http://schemas.openxmlformats.org/drawingml/2006/main" xmlns:r="http://schemas.openxmlformats.org/officeDocument/2006/relationships" xmlns:p="http://schemas.openxmlformats.org/presentationml/2006/main" type="blank" preserve="1">
   <p:cSld name="Blank Slide">
     <p:spTree>
       <p:nvGrpSpPr>
@@ -32,11 +127,14 @@
       </p:grpSpPr>
     </p:spTree>
   </p:cSld>
+  <p:clrMapOvr>
+    <a:masterClrMapping/>
+  </p:clrMapOvr>
 </p:sldLayout>
 </file>
 
 <file path=ppt/slideLayouts/slideLayout10.xml><?xml version="1.0" encoding="utf-8"?>
-<p:sldLayout xmlns:a="http://schemas.openxmlformats.org/drawingml/2006/main" xmlns:p="http://schemas.openxmlformats.org/presentationml/2006/main" xmlns:r="http://schemas.openxmlformats.org/officeDocument/2006/relationships" type="objOverTx" preserve="1">
+<p:sldLayout xmlns:a="http://schemas.openxmlformats.org/drawingml/2006/main" xmlns:r="http://schemas.openxmlformats.org/officeDocument/2006/relationships" xmlns:p="http://schemas.openxmlformats.org/presentationml/2006/main" type="objOverTx" preserve="1">
   <p:cSld name="Title, Content over Content">
     <p:spTree>
       <p:nvGrpSpPr>
@@ -72,7 +170,8 @@
           </a:prstGeom>
         </p:spPr>
         <p:txBody>
-          <a:bodyPr lIns="0" rIns="0" tIns="0" bIns="0" anchor="ctr"/>
+          <a:bodyPr lIns="0" tIns="0" rIns="0" bIns="0" anchor="ctr"/>
+          <a:lstStyle/>
           <a:p>
             <a:pPr algn="ctr"/>
             <a:endParaRPr/>
@@ -99,7 +198,8 @@
           </a:prstGeom>
         </p:spPr>
         <p:txBody>
-          <a:bodyPr lIns="0" rIns="0" tIns="0" bIns="0"/>
+          <a:bodyPr lIns="0" tIns="0" rIns="0" bIns="0"/>
+          <a:lstStyle/>
           <a:p>
             <a:endParaRPr/>
           </a:p>
@@ -125,7 +225,8 @@
           </a:prstGeom>
         </p:spPr>
         <p:txBody>
-          <a:bodyPr lIns="0" rIns="0" tIns="0" bIns="0"/>
+          <a:bodyPr lIns="0" tIns="0" rIns="0" bIns="0"/>
+          <a:lstStyle/>
           <a:p>
             <a:endParaRPr/>
           </a:p>
@@ -133,11 +234,14 @@
       </p:sp>
     </p:spTree>
   </p:cSld>
+  <p:clrMapOvr>
+    <a:masterClrMapping/>
+  </p:clrMapOvr>
 </p:sldLayout>
 </file>
 
 <file path=ppt/slideLayouts/slideLayout11.xml><?xml version="1.0" encoding="utf-8"?>
-<p:sldLayout xmlns:a="http://schemas.openxmlformats.org/drawingml/2006/main" xmlns:p="http://schemas.openxmlformats.org/presentationml/2006/main" xmlns:r="http://schemas.openxmlformats.org/officeDocument/2006/relationships" type="fourObj" preserve="1">
+<p:sldLayout xmlns:a="http://schemas.openxmlformats.org/drawingml/2006/main" xmlns:r="http://schemas.openxmlformats.org/officeDocument/2006/relationships" xmlns:p="http://schemas.openxmlformats.org/presentationml/2006/main" type="fourObj" preserve="1">
   <p:cSld name="Title, 4 Content">
     <p:spTree>
       <p:nvGrpSpPr>
@@ -173,7 +277,8 @@
           </a:prstGeom>
         </p:spPr>
         <p:txBody>
-          <a:bodyPr lIns="0" rIns="0" tIns="0" bIns="0" anchor="ctr"/>
+          <a:bodyPr lIns="0" tIns="0" rIns="0" bIns="0" anchor="ctr"/>
+          <a:lstStyle/>
           <a:p>
             <a:pPr algn="ctr"/>
             <a:endParaRPr/>
@@ -200,7 +305,8 @@
           </a:prstGeom>
         </p:spPr>
         <p:txBody>
-          <a:bodyPr lIns="0" rIns="0" tIns="0" bIns="0"/>
+          <a:bodyPr lIns="0" tIns="0" rIns="0" bIns="0"/>
+          <a:lstStyle/>
           <a:p>
             <a:endParaRPr/>
           </a:p>
@@ -226,7 +332,8 @@
           </a:prstGeom>
         </p:spPr>
         <p:txBody>
-          <a:bodyPr lIns="0" rIns="0" tIns="0" bIns="0"/>
+          <a:bodyPr lIns="0" tIns="0" rIns="0" bIns="0"/>
+          <a:lstStyle/>
           <a:p>
             <a:endParaRPr/>
           </a:p>
@@ -252,7 +359,8 @@
           </a:prstGeom>
         </p:spPr>
         <p:txBody>
-          <a:bodyPr lIns="0" rIns="0" tIns="0" bIns="0"/>
+          <a:bodyPr lIns="0" tIns="0" rIns="0" bIns="0"/>
+          <a:lstStyle/>
           <a:p>
             <a:endParaRPr/>
           </a:p>
@@ -278,7 +386,8 @@
           </a:prstGeom>
         </p:spPr>
         <p:txBody>
-          <a:bodyPr lIns="0" rIns="0" tIns="0" bIns="0"/>
+          <a:bodyPr lIns="0" tIns="0" rIns="0" bIns="0"/>
+          <a:lstStyle/>
           <a:p>
             <a:endParaRPr/>
           </a:p>
@@ -286,11 +395,14 @@
       </p:sp>
     </p:spTree>
   </p:cSld>
+  <p:clrMapOvr>
+    <a:masterClrMapping/>
+  </p:clrMapOvr>
 </p:sldLayout>
 </file>
 
 <file path=ppt/slideLayouts/slideLayout12.xml><?xml version="1.0" encoding="utf-8"?>
-<p:sldLayout xmlns:a="http://schemas.openxmlformats.org/drawingml/2006/main" xmlns:p="http://schemas.openxmlformats.org/presentationml/2006/main" xmlns:r="http://schemas.openxmlformats.org/officeDocument/2006/relationships" type="blank" preserve="1">
+<p:sldLayout xmlns:a="http://schemas.openxmlformats.org/drawingml/2006/main" xmlns:r="http://schemas.openxmlformats.org/officeDocument/2006/relationships" xmlns:p="http://schemas.openxmlformats.org/presentationml/2006/main" type="blank" preserve="1">
   <p:cSld name="Title, 6 Content">
     <p:spTree>
       <p:nvGrpSpPr>
@@ -326,7 +438,8 @@
           </a:prstGeom>
         </p:spPr>
         <p:txBody>
-          <a:bodyPr lIns="0" rIns="0" tIns="0" bIns="0" anchor="ctr"/>
+          <a:bodyPr lIns="0" tIns="0" rIns="0" bIns="0" anchor="ctr"/>
+          <a:lstStyle/>
           <a:p>
             <a:pPr algn="ctr"/>
             <a:endParaRPr/>
@@ -353,7 +466,8 @@
           </a:prstGeom>
         </p:spPr>
         <p:txBody>
-          <a:bodyPr lIns="0" rIns="0" tIns="0" bIns="0"/>
+          <a:bodyPr lIns="0" tIns="0" rIns="0" bIns="0"/>
+          <a:lstStyle/>
           <a:p>
             <a:endParaRPr/>
           </a:p>
@@ -379,7 +493,8 @@
           </a:prstGeom>
         </p:spPr>
         <p:txBody>
-          <a:bodyPr lIns="0" rIns="0" tIns="0" bIns="0"/>
+          <a:bodyPr lIns="0" tIns="0" rIns="0" bIns="0"/>
+          <a:lstStyle/>
           <a:p>
             <a:endParaRPr/>
           </a:p>
@@ -387,7 +502,7 @@
       </p:sp>
       <p:pic>
         <p:nvPicPr>
-          <p:cNvPr id="37" name="" descr=""/>
+          <p:cNvPr id="37" name="Picture 36"/>
           <p:cNvPicPr/>
           <p:nvPr/>
         </p:nvPicPr>
@@ -412,12 +527,12 @@
       </p:pic>
       <p:pic>
         <p:nvPicPr>
-          <p:cNvPr id="38" name="" descr=""/>
+          <p:cNvPr id="38" name="Picture 37"/>
           <p:cNvPicPr/>
           <p:nvPr/>
         </p:nvPicPr>
         <p:blipFill>
-          <a:blip r:embed="rId3"/>
+          <a:blip r:embed="rId2"/>
           <a:stretch>
             <a:fillRect/>
           </a:stretch>
@@ -437,11 +552,14 @@
       </p:pic>
     </p:spTree>
   </p:cSld>
+  <p:clrMapOvr>
+    <a:masterClrMapping/>
+  </p:clrMapOvr>
 </p:sldLayout>
 </file>
 
 <file path=ppt/slideLayouts/slideLayout2.xml><?xml version="1.0" encoding="utf-8"?>
-<p:sldLayout xmlns:a="http://schemas.openxmlformats.org/drawingml/2006/main" xmlns:p="http://schemas.openxmlformats.org/presentationml/2006/main" xmlns:r="http://schemas.openxmlformats.org/officeDocument/2006/relationships" type="tx" preserve="1">
+<p:sldLayout xmlns:a="http://schemas.openxmlformats.org/drawingml/2006/main" xmlns:r="http://schemas.openxmlformats.org/officeDocument/2006/relationships" xmlns:p="http://schemas.openxmlformats.org/presentationml/2006/main" type="tx" preserve="1">
   <p:cSld name="Title Slide">
     <p:spTree>
       <p:nvGrpSpPr>
@@ -477,7 +595,8 @@
           </a:prstGeom>
         </p:spPr>
         <p:txBody>
-          <a:bodyPr lIns="0" rIns="0" tIns="0" bIns="0" anchor="ctr"/>
+          <a:bodyPr lIns="0" tIns="0" rIns="0" bIns="0" anchor="ctr"/>
+          <a:lstStyle/>
           <a:p>
             <a:pPr algn="ctr"/>
             <a:endParaRPr/>
@@ -504,7 +623,8 @@
           </a:prstGeom>
         </p:spPr>
         <p:txBody>
-          <a:bodyPr lIns="0" rIns="0" tIns="0" bIns="0" anchor="ctr"/>
+          <a:bodyPr lIns="0" tIns="0" rIns="0" bIns="0" anchor="ctr"/>
+          <a:lstStyle/>
           <a:p>
             <a:pPr algn="ctr"/>
             <a:endParaRPr/>
@@ -513,11 +633,14 @@
       </p:sp>
     </p:spTree>
   </p:cSld>
+  <p:clrMapOvr>
+    <a:masterClrMapping/>
+  </p:clrMapOvr>
 </p:sldLayout>
 </file>
 
 <file path=ppt/slideLayouts/slideLayout3.xml><?xml version="1.0" encoding="utf-8"?>
-<p:sldLayout xmlns:a="http://schemas.openxmlformats.org/drawingml/2006/main" xmlns:p="http://schemas.openxmlformats.org/presentationml/2006/main" xmlns:r="http://schemas.openxmlformats.org/officeDocument/2006/relationships" type="obj" preserve="1">
+<p:sldLayout xmlns:a="http://schemas.openxmlformats.org/drawingml/2006/main" xmlns:r="http://schemas.openxmlformats.org/officeDocument/2006/relationships" xmlns:p="http://schemas.openxmlformats.org/presentationml/2006/main" type="obj" preserve="1">
   <p:cSld name="Title, Content">
     <p:spTree>
       <p:nvGrpSpPr>
@@ -553,7 +676,8 @@
           </a:prstGeom>
         </p:spPr>
         <p:txBody>
-          <a:bodyPr lIns="0" rIns="0" tIns="0" bIns="0" anchor="ctr"/>
+          <a:bodyPr lIns="0" tIns="0" rIns="0" bIns="0" anchor="ctr"/>
+          <a:lstStyle/>
           <a:p>
             <a:pPr algn="ctr"/>
             <a:endParaRPr/>
@@ -580,7 +704,8 @@
           </a:prstGeom>
         </p:spPr>
         <p:txBody>
-          <a:bodyPr lIns="0" rIns="0" tIns="0" bIns="0"/>
+          <a:bodyPr lIns="0" tIns="0" rIns="0" bIns="0"/>
+          <a:lstStyle/>
           <a:p>
             <a:endParaRPr/>
           </a:p>
@@ -588,11 +713,14 @@
       </p:sp>
     </p:spTree>
   </p:cSld>
+  <p:clrMapOvr>
+    <a:masterClrMapping/>
+  </p:clrMapOvr>
 </p:sldLayout>
 </file>
 
 <file path=ppt/slideLayouts/slideLayout4.xml><?xml version="1.0" encoding="utf-8"?>
-<p:sldLayout xmlns:a="http://schemas.openxmlformats.org/drawingml/2006/main" xmlns:p="http://schemas.openxmlformats.org/presentationml/2006/main" xmlns:r="http://schemas.openxmlformats.org/officeDocument/2006/relationships" type="twoObj" preserve="1">
+<p:sldLayout xmlns:a="http://schemas.openxmlformats.org/drawingml/2006/main" xmlns:r="http://schemas.openxmlformats.org/officeDocument/2006/relationships" xmlns:p="http://schemas.openxmlformats.org/presentationml/2006/main" type="twoObj" preserve="1">
   <p:cSld name="Title, 2 Content">
     <p:spTree>
       <p:nvGrpSpPr>
@@ -628,7 +756,8 @@
           </a:prstGeom>
         </p:spPr>
         <p:txBody>
-          <a:bodyPr lIns="0" rIns="0" tIns="0" bIns="0" anchor="ctr"/>
+          <a:bodyPr lIns="0" tIns="0" rIns="0" bIns="0" anchor="ctr"/>
+          <a:lstStyle/>
           <a:p>
             <a:pPr algn="ctr"/>
             <a:endParaRPr/>
@@ -655,7 +784,8 @@
           </a:prstGeom>
         </p:spPr>
         <p:txBody>
-          <a:bodyPr lIns="0" rIns="0" tIns="0" bIns="0"/>
+          <a:bodyPr lIns="0" tIns="0" rIns="0" bIns="0"/>
+          <a:lstStyle/>
           <a:p>
             <a:endParaRPr/>
           </a:p>
@@ -681,7 +811,8 @@
           </a:prstGeom>
         </p:spPr>
         <p:txBody>
-          <a:bodyPr lIns="0" rIns="0" tIns="0" bIns="0"/>
+          <a:bodyPr lIns="0" tIns="0" rIns="0" bIns="0"/>
+          <a:lstStyle/>
           <a:p>
             <a:endParaRPr/>
           </a:p>
@@ -689,11 +820,14 @@
       </p:sp>
     </p:spTree>
   </p:cSld>
+  <p:clrMapOvr>
+    <a:masterClrMapping/>
+  </p:clrMapOvr>
 </p:sldLayout>
 </file>
 
 <file path=ppt/slideLayouts/slideLayout5.xml><?xml version="1.0" encoding="utf-8"?>
-<p:sldLayout xmlns:a="http://schemas.openxmlformats.org/drawingml/2006/main" xmlns:p="http://schemas.openxmlformats.org/presentationml/2006/main" xmlns:r="http://schemas.openxmlformats.org/officeDocument/2006/relationships" type="titleOnly" preserve="1">
+<p:sldLayout xmlns:a="http://schemas.openxmlformats.org/drawingml/2006/main" xmlns:r="http://schemas.openxmlformats.org/officeDocument/2006/relationships" xmlns:p="http://schemas.openxmlformats.org/presentationml/2006/main" type="titleOnly" preserve="1">
   <p:cSld name="Title Only">
     <p:spTree>
       <p:nvGrpSpPr>
@@ -729,7 +863,8 @@
           </a:prstGeom>
         </p:spPr>
         <p:txBody>
-          <a:bodyPr lIns="0" rIns="0" tIns="0" bIns="0" anchor="ctr"/>
+          <a:bodyPr lIns="0" tIns="0" rIns="0" bIns="0" anchor="ctr"/>
+          <a:lstStyle/>
           <a:p>
             <a:pPr algn="ctr"/>
             <a:endParaRPr/>
@@ -738,11 +873,14 @@
       </p:sp>
     </p:spTree>
   </p:cSld>
+  <p:clrMapOvr>
+    <a:masterClrMapping/>
+  </p:clrMapOvr>
 </p:sldLayout>
 </file>
 
 <file path=ppt/slideLayouts/slideLayout6.xml><?xml version="1.0" encoding="utf-8"?>
-<p:sldLayout xmlns:a="http://schemas.openxmlformats.org/drawingml/2006/main" xmlns:p="http://schemas.openxmlformats.org/presentationml/2006/main" xmlns:r="http://schemas.openxmlformats.org/officeDocument/2006/relationships" type="objOnly" preserve="1">
+<p:sldLayout xmlns:a="http://schemas.openxmlformats.org/drawingml/2006/main" xmlns:r="http://schemas.openxmlformats.org/officeDocument/2006/relationships" xmlns:p="http://schemas.openxmlformats.org/presentationml/2006/main" type="objOnly" preserve="1">
   <p:cSld name="Centered Text">
     <p:spTree>
       <p:nvGrpSpPr>
@@ -778,7 +916,8 @@
           </a:prstGeom>
         </p:spPr>
         <p:txBody>
-          <a:bodyPr lIns="0" rIns="0" tIns="0" bIns="0" anchor="ctr"/>
+          <a:bodyPr lIns="0" tIns="0" rIns="0" bIns="0" anchor="ctr"/>
+          <a:lstStyle/>
           <a:p>
             <a:pPr algn="ctr"/>
             <a:endParaRPr/>
@@ -787,11 +926,14 @@
       </p:sp>
     </p:spTree>
   </p:cSld>
+  <p:clrMapOvr>
+    <a:masterClrMapping/>
+  </p:clrMapOvr>
 </p:sldLayout>
 </file>
 
 <file path=ppt/slideLayouts/slideLayout7.xml><?xml version="1.0" encoding="utf-8"?>
-<p:sldLayout xmlns:a="http://schemas.openxmlformats.org/drawingml/2006/main" xmlns:p="http://schemas.openxmlformats.org/presentationml/2006/main" xmlns:r="http://schemas.openxmlformats.org/officeDocument/2006/relationships" type="twoObjAndObj" preserve="1">
+<p:sldLayout xmlns:a="http://schemas.openxmlformats.org/drawingml/2006/main" xmlns:r="http://schemas.openxmlformats.org/officeDocument/2006/relationships" xmlns:p="http://schemas.openxmlformats.org/presentationml/2006/main" type="twoObjAndObj" preserve="1">
   <p:cSld name="Title, 2 Content and Content">
     <p:spTree>
       <p:nvGrpSpPr>
@@ -827,7 +969,8 @@
           </a:prstGeom>
         </p:spPr>
         <p:txBody>
-          <a:bodyPr lIns="0" rIns="0" tIns="0" bIns="0" anchor="ctr"/>
+          <a:bodyPr lIns="0" tIns="0" rIns="0" bIns="0" anchor="ctr"/>
+          <a:lstStyle/>
           <a:p>
             <a:pPr algn="ctr"/>
             <a:endParaRPr/>
@@ -854,7 +997,8 @@
           </a:prstGeom>
         </p:spPr>
         <p:txBody>
-          <a:bodyPr lIns="0" rIns="0" tIns="0" bIns="0"/>
+          <a:bodyPr lIns="0" tIns="0" rIns="0" bIns="0"/>
+          <a:lstStyle/>
           <a:p>
             <a:endParaRPr/>
           </a:p>
@@ -880,7 +1024,8 @@
           </a:prstGeom>
         </p:spPr>
         <p:txBody>
-          <a:bodyPr lIns="0" rIns="0" tIns="0" bIns="0"/>
+          <a:bodyPr lIns="0" tIns="0" rIns="0" bIns="0"/>
+          <a:lstStyle/>
           <a:p>
             <a:endParaRPr/>
           </a:p>
@@ -906,7 +1051,8 @@
           </a:prstGeom>
         </p:spPr>
         <p:txBody>
-          <a:bodyPr lIns="0" rIns="0" tIns="0" bIns="0"/>
+          <a:bodyPr lIns="0" tIns="0" rIns="0" bIns="0"/>
+          <a:lstStyle/>
           <a:p>
             <a:endParaRPr/>
           </a:p>
@@ -914,11 +1060,14 @@
       </p:sp>
     </p:spTree>
   </p:cSld>
+  <p:clrMapOvr>
+    <a:masterClrMapping/>
+  </p:clrMapOvr>
 </p:sldLayout>
 </file>
 
 <file path=ppt/slideLayouts/slideLayout8.xml><?xml version="1.0" encoding="utf-8"?>
-<p:sldLayout xmlns:a="http://schemas.openxmlformats.org/drawingml/2006/main" xmlns:p="http://schemas.openxmlformats.org/presentationml/2006/main" xmlns:r="http://schemas.openxmlformats.org/officeDocument/2006/relationships" type="objAndTwoObj" preserve="1">
+<p:sldLayout xmlns:a="http://schemas.openxmlformats.org/drawingml/2006/main" xmlns:r="http://schemas.openxmlformats.org/officeDocument/2006/relationships" xmlns:p="http://schemas.openxmlformats.org/presentationml/2006/main" type="objAndTwoObj" preserve="1">
   <p:cSld name="Title Content and 2 Content">
     <p:spTree>
       <p:nvGrpSpPr>
@@ -954,7 +1103,8 @@
           </a:prstGeom>
         </p:spPr>
         <p:txBody>
-          <a:bodyPr lIns="0" rIns="0" tIns="0" bIns="0" anchor="ctr"/>
+          <a:bodyPr lIns="0" tIns="0" rIns="0" bIns="0" anchor="ctr"/>
+          <a:lstStyle/>
           <a:p>
             <a:pPr algn="ctr"/>
             <a:endParaRPr/>
@@ -981,7 +1131,8 @@
           </a:prstGeom>
         </p:spPr>
         <p:txBody>
-          <a:bodyPr lIns="0" rIns="0" tIns="0" bIns="0"/>
+          <a:bodyPr lIns="0" tIns="0" rIns="0" bIns="0"/>
+          <a:lstStyle/>
           <a:p>
             <a:endParaRPr/>
           </a:p>
@@ -1007,7 +1158,8 @@
           </a:prstGeom>
         </p:spPr>
         <p:txBody>
-          <a:bodyPr lIns="0" rIns="0" tIns="0" bIns="0"/>
+          <a:bodyPr lIns="0" tIns="0" rIns="0" bIns="0"/>
+          <a:lstStyle/>
           <a:p>
             <a:endParaRPr/>
           </a:p>
@@ -1033,7 +1185,8 @@
           </a:prstGeom>
         </p:spPr>
         <p:txBody>
-          <a:bodyPr lIns="0" rIns="0" tIns="0" bIns="0"/>
+          <a:bodyPr lIns="0" tIns="0" rIns="0" bIns="0"/>
+          <a:lstStyle/>
           <a:p>
             <a:endParaRPr/>
           </a:p>
@@ -1041,11 +1194,14 @@
       </p:sp>
     </p:spTree>
   </p:cSld>
+  <p:clrMapOvr>
+    <a:masterClrMapping/>
+  </p:clrMapOvr>
 </p:sldLayout>
 </file>
 
 <file path=ppt/slideLayouts/slideLayout9.xml><?xml version="1.0" encoding="utf-8"?>
-<p:sldLayout xmlns:a="http://schemas.openxmlformats.org/drawingml/2006/main" xmlns:p="http://schemas.openxmlformats.org/presentationml/2006/main" xmlns:r="http://schemas.openxmlformats.org/officeDocument/2006/relationships" type="twoObjOverTx" preserve="1">
+<p:sldLayout xmlns:a="http://schemas.openxmlformats.org/drawingml/2006/main" xmlns:r="http://schemas.openxmlformats.org/officeDocument/2006/relationships" xmlns:p="http://schemas.openxmlformats.org/presentationml/2006/main" type="twoObjOverTx" preserve="1">
   <p:cSld name="Title, 2 Content over Content">
     <p:spTree>
       <p:nvGrpSpPr>
@@ -1081,7 +1237,8 @@
           </a:prstGeom>
         </p:spPr>
         <p:txBody>
-          <a:bodyPr lIns="0" rIns="0" tIns="0" bIns="0" anchor="ctr"/>
+          <a:bodyPr lIns="0" tIns="0" rIns="0" bIns="0" anchor="ctr"/>
+          <a:lstStyle/>
           <a:p>
             <a:pPr algn="ctr"/>
             <a:endParaRPr/>
@@ -1108,7 +1265,8 @@
           </a:prstGeom>
         </p:spPr>
         <p:txBody>
-          <a:bodyPr lIns="0" rIns="0" tIns="0" bIns="0"/>
+          <a:bodyPr lIns="0" tIns="0" rIns="0" bIns="0"/>
+          <a:lstStyle/>
           <a:p>
             <a:endParaRPr/>
           </a:p>
@@ -1134,7 +1292,8 @@
           </a:prstGeom>
         </p:spPr>
         <p:txBody>
-          <a:bodyPr lIns="0" rIns="0" tIns="0" bIns="0"/>
+          <a:bodyPr lIns="0" tIns="0" rIns="0" bIns="0"/>
+          <a:lstStyle/>
           <a:p>
             <a:endParaRPr/>
           </a:p>
@@ -1160,7 +1319,8 @@
           </a:prstGeom>
         </p:spPr>
         <p:txBody>
-          <a:bodyPr lIns="0" rIns="0" tIns="0" bIns="0"/>
+          <a:bodyPr lIns="0" tIns="0" rIns="0" bIns="0"/>
+          <a:lstStyle/>
           <a:p>
             <a:endParaRPr/>
           </a:p>
@@ -1168,11 +1328,593 @@
       </p:sp>
     </p:spTree>
   </p:cSld>
+  <p:clrMapOvr>
+    <a:masterClrMapping/>
+  </p:clrMapOvr>
 </p:sldLayout>
 </file>
 
 <file path=ppt/slideMasters/slideMaster1.xml><?xml version="1.0" encoding="utf-8"?>
-<p:sldMaster xmlns:a="http://schemas.openxmlformats.org/drawingml/2006/main" xmlns:p="http://schemas.openxmlformats.org/presentationml/2006/main" xmlns:r="http://schemas.openxmlformats.org/officeDocument/2006/relationships">
+<p:sldMaster xmlns:a="http://schemas.openxmlformats.org/drawingml/2006/main" xmlns:r="http://schemas.openxmlformats.org/officeDocument/2006/relationships" xmlns:p="http://schemas.openxmlformats.org/presentationml/2006/main">
+  <p:cSld>
+    <p:bg>
+      <p:bgRef idx="1001">
+        <a:schemeClr val="bg1"/>
+      </p:bgRef>
+    </p:bg>
+    <p:spTree>
+      <p:nvGrpSpPr>
+        <p:cNvPr id="1" name=""/>
+        <p:cNvGrpSpPr/>
+        <p:nvPr/>
+      </p:nvGrpSpPr>
+      <p:grpSpPr>
+        <a:xfrm>
+          <a:off x="0" y="0"/>
+          <a:ext cx="0" cy="0"/>
+          <a:chOff x="0" y="0"/>
+          <a:chExt cx="0" cy="0"/>
+        </a:xfrm>
+      </p:grpSpPr>
+      <p:sp>
+        <p:nvSpPr>
+          <p:cNvPr id="5" name="PlaceHolder 1"/>
+          <p:cNvSpPr>
+            <a:spLocks noGrp="1"/>
+          </p:cNvSpPr>
+          <p:nvPr>
+            <p:ph type="title"/>
+          </p:nvPr>
+        </p:nvSpPr>
+        <p:spPr>
+          <a:xfrm>
+            <a:off x="504000" y="301320"/>
+            <a:ext cx="9071640" cy="1262160"/>
+          </a:xfrm>
+          <a:prstGeom prst="rect">
+            <a:avLst/>
+          </a:prstGeom>
+        </p:spPr>
+        <p:txBody>
+          <a:bodyPr lIns="0" tIns="0" rIns="0" bIns="0" anchor="ctr"/>
+          <a:lstStyle/>
+          <a:p>
+            <a:pPr algn="ctr"/>
+            <a:r>
+              <a:rPr lang="en-US" sz="4400">
+                <a:latin typeface="Arial"/>
+              </a:rPr>
+              <a:t>Click to edit the title text format</a:t>
+            </a:r>
+            <a:endParaRPr/>
+          </a:p>
+        </p:txBody>
+      </p:sp>
+      <p:sp>
+        <p:nvSpPr>
+          <p:cNvPr id="6" name="PlaceHolder 2"/>
+          <p:cNvSpPr>
+            <a:spLocks noGrp="1"/>
+          </p:cNvSpPr>
+          <p:nvPr>
+            <p:ph type="body"/>
+          </p:nvPr>
+        </p:nvSpPr>
+        <p:spPr>
+          <a:xfrm>
+            <a:off x="504000" y="1769040"/>
+            <a:ext cx="9071640" cy="4384440"/>
+          </a:xfrm>
+          <a:prstGeom prst="rect">
+            <a:avLst/>
+          </a:prstGeom>
+        </p:spPr>
+        <p:txBody>
+          <a:bodyPr lIns="0" tIns="0" rIns="0" bIns="0"/>
+          <a:lstStyle/>
+          <a:p>
+            <a:pPr>
+              <a:buSzPct val="45000"/>
+              <a:buFont typeface="StarSymbol"/>
+              <a:buChar char=""/>
+            </a:pPr>
+            <a:r>
+              <a:rPr lang="en-US" sz="3200">
+                <a:latin typeface="Arial"/>
+              </a:rPr>
+              <a:t>Click to edit the outline text format</a:t>
+            </a:r>
+            <a:endParaRPr/>
+          </a:p>
+          <a:p>
+            <a:pPr lvl="1">
+              <a:buSzPct val="75000"/>
+              <a:buFont typeface="StarSymbol"/>
+              <a:buChar char=""/>
+            </a:pPr>
+            <a:r>
+              <a:rPr lang="en-US" sz="2800">
+                <a:latin typeface="Arial"/>
+              </a:rPr>
+              <a:t>Second Outline Level</a:t>
+            </a:r>
+            <a:endParaRPr/>
+          </a:p>
+          <a:p>
+            <a:pPr lvl="2">
+              <a:buSzPct val="45000"/>
+              <a:buFont typeface="StarSymbol"/>
+              <a:buChar char=""/>
+            </a:pPr>
+            <a:r>
+              <a:rPr lang="en-US" sz="2400">
+                <a:latin typeface="Arial"/>
+              </a:rPr>
+              <a:t>Third Outline Level</a:t>
+            </a:r>
+            <a:endParaRPr/>
+          </a:p>
+          <a:p>
+            <a:pPr lvl="3">
+              <a:buSzPct val="75000"/>
+              <a:buFont typeface="StarSymbol"/>
+              <a:buChar char=""/>
+            </a:pPr>
+            <a:r>
+              <a:rPr lang="en-US" sz="2000">
+                <a:latin typeface="Arial"/>
+              </a:rPr>
+              <a:t>Fourth Outline Level</a:t>
+            </a:r>
+            <a:endParaRPr/>
+          </a:p>
+          <a:p>
+            <a:pPr lvl="4">
+              <a:buSzPct val="45000"/>
+              <a:buFont typeface="StarSymbol"/>
+              <a:buChar char=""/>
+            </a:pPr>
+            <a:r>
+              <a:rPr lang="en-US" sz="2000">
+                <a:latin typeface="Arial"/>
+              </a:rPr>
+              <a:t>Fifth Outline Level</a:t>
+            </a:r>
+            <a:endParaRPr/>
+          </a:p>
+          <a:p>
+            <a:pPr lvl="5">
+              <a:buSzPct val="45000"/>
+              <a:buFont typeface="StarSymbol"/>
+              <a:buChar char=""/>
+            </a:pPr>
+            <a:r>
+              <a:rPr lang="en-US" sz="2000">
+                <a:latin typeface="Arial"/>
+              </a:rPr>
+              <a:t>Sixth Outline Level</a:t>
+            </a:r>
+            <a:endParaRPr/>
+          </a:p>
+          <a:p>
+            <a:pPr lvl="6">
+              <a:buSzPct val="45000"/>
+              <a:buFont typeface="StarSymbol"/>
+              <a:buChar char=""/>
+            </a:pPr>
+            <a:r>
+              <a:rPr lang="en-US" sz="2000">
+                <a:latin typeface="Arial"/>
+              </a:rPr>
+              <a:t>Seventh Outline Level</a:t>
+            </a:r>
+            <a:endParaRPr/>
+          </a:p>
+        </p:txBody>
+      </p:sp>
+      <p:sp>
+        <p:nvSpPr>
+          <p:cNvPr id="2" name="PlaceHolder 3"/>
+          <p:cNvSpPr>
+            <a:spLocks noGrp="1"/>
+          </p:cNvSpPr>
+          <p:nvPr>
+            <p:ph type="dt"/>
+          </p:nvPr>
+        </p:nvSpPr>
+        <p:spPr>
+          <a:xfrm>
+            <a:off x="504000" y="6887160"/>
+            <a:ext cx="2348280" cy="521280"/>
+          </a:xfrm>
+          <a:prstGeom prst="rect">
+            <a:avLst/>
+          </a:prstGeom>
+        </p:spPr>
+        <p:txBody>
+          <a:bodyPr lIns="0" tIns="0" rIns="0" bIns="0"/>
+          <a:lstStyle/>
+          <a:p>
+            <a:r>
+              <a:rPr lang="en-US" sz="1400">
+                <a:latin typeface="Times New Roman"/>
+              </a:rPr>
+              <a:t>&lt;date/time&gt;</a:t>
+            </a:r>
+            <a:endParaRPr/>
+          </a:p>
+        </p:txBody>
+      </p:sp>
+      <p:sp>
+        <p:nvSpPr>
+          <p:cNvPr id="3" name="PlaceHolder 4"/>
+          <p:cNvSpPr>
+            <a:spLocks noGrp="1"/>
+          </p:cNvSpPr>
+          <p:nvPr>
+            <p:ph type="ftr"/>
+          </p:nvPr>
+        </p:nvSpPr>
+        <p:spPr>
+          <a:xfrm>
+            <a:off x="3447360" y="6887160"/>
+            <a:ext cx="3195000" cy="521280"/>
+          </a:xfrm>
+          <a:prstGeom prst="rect">
+            <a:avLst/>
+          </a:prstGeom>
+        </p:spPr>
+        <p:txBody>
+          <a:bodyPr lIns="0" tIns="0" rIns="0" bIns="0"/>
+          <a:lstStyle/>
+          <a:p>
+            <a:pPr algn="ctr"/>
+            <a:r>
+              <a:rPr lang="en-US" sz="1400">
+                <a:latin typeface="Times New Roman"/>
+              </a:rPr>
+              <a:t>&lt;footer&gt;</a:t>
+            </a:r>
+            <a:endParaRPr/>
+          </a:p>
+        </p:txBody>
+      </p:sp>
+      <p:sp>
+        <p:nvSpPr>
+          <p:cNvPr id="4" name="PlaceHolder 5"/>
+          <p:cNvSpPr>
+            <a:spLocks noGrp="1"/>
+          </p:cNvSpPr>
+          <p:nvPr>
+            <p:ph type="sldNum"/>
+          </p:nvPr>
+        </p:nvSpPr>
+        <p:spPr>
+          <a:xfrm>
+            <a:off x="7227360" y="6887160"/>
+            <a:ext cx="2348280" cy="521280"/>
+          </a:xfrm>
+          <a:prstGeom prst="rect">
+            <a:avLst/>
+          </a:prstGeom>
+        </p:spPr>
+        <p:txBody>
+          <a:bodyPr lIns="0" tIns="0" rIns="0" bIns="0"/>
+          <a:lstStyle/>
+          <a:p>
+            <a:pPr algn="r"/>
+            <a:fld id="{B1E7739F-597D-43C3-ADAF-CB676F43BF36}" type="slidenum">
+              <a:rPr lang="en-US" sz="1400">
+                <a:latin typeface="Times New Roman"/>
+              </a:rPr>
+              <a:t>‹#›</a:t>
+            </a:fld>
+            <a:endParaRPr/>
+          </a:p>
+        </p:txBody>
+      </p:sp>
+    </p:spTree>
+  </p:cSld>
+  <p:clrMap bg1="lt1" tx1="dk1" bg2="lt2" tx2="dk2" accent1="accent1" accent2="accent2" accent3="accent3" accent4="accent4" accent5="accent5" accent6="accent6" hlink="hlink" folHlink="folHlink"/>
+  <p:sldLayoutIdLst>
+    <p:sldLayoutId id="2147483649" r:id="rId1"/>
+    <p:sldLayoutId id="2147483650" r:id="rId2"/>
+    <p:sldLayoutId id="2147483651" r:id="rId3"/>
+    <p:sldLayoutId id="2147483652" r:id="rId4"/>
+    <p:sldLayoutId id="2147483653" r:id="rId5"/>
+    <p:sldLayoutId id="2147483654" r:id="rId6"/>
+    <p:sldLayoutId id="2147483655" r:id="rId7"/>
+    <p:sldLayoutId id="2147483656" r:id="rId8"/>
+    <p:sldLayoutId id="2147483657" r:id="rId9"/>
+    <p:sldLayoutId id="2147483658" r:id="rId10"/>
+    <p:sldLayoutId id="2147483659" r:id="rId11"/>
+    <p:sldLayoutId id="2147483660" r:id="rId12"/>
+  </p:sldLayoutIdLst>
+  <p:txStyles>
+    <p:titleStyle>
+      <a:lvl1pPr algn="l" defTabSz="914400" rtl="0" eaLnBrk="1" latinLnBrk="0" hangingPunct="1">
+        <a:lnSpc>
+          <a:spcPct val="90000"/>
+        </a:lnSpc>
+        <a:spcBef>
+          <a:spcPct val="0"/>
+        </a:spcBef>
+        <a:buNone/>
+        <a:defRPr sz="4400" kern="1200">
+          <a:solidFill>
+            <a:schemeClr val="tx1"/>
+          </a:solidFill>
+          <a:latin typeface="+mj-lt"/>
+          <a:ea typeface="+mj-ea"/>
+          <a:cs typeface="+mj-cs"/>
+        </a:defRPr>
+      </a:lvl1pPr>
+    </p:titleStyle>
+    <p:bodyStyle>
+      <a:lvl1pPr marL="228600" indent="-228600" algn="l" defTabSz="914400" rtl="0" eaLnBrk="1" latinLnBrk="0" hangingPunct="1">
+        <a:lnSpc>
+          <a:spcPct val="90000"/>
+        </a:lnSpc>
+        <a:spcBef>
+          <a:spcPts val="1000"/>
+        </a:spcBef>
+        <a:buFont typeface="Arial" panose="020B0604020202020204" pitchFamily="34" charset="0"/>
+        <a:buChar char="•"/>
+        <a:defRPr sz="2800" kern="1200">
+          <a:solidFill>
+            <a:schemeClr val="tx1"/>
+          </a:solidFill>
+          <a:latin typeface="+mn-lt"/>
+          <a:ea typeface="+mn-ea"/>
+          <a:cs typeface="+mn-cs"/>
+        </a:defRPr>
+      </a:lvl1pPr>
+      <a:lvl2pPr marL="685800" indent="-228600" algn="l" defTabSz="914400" rtl="0" eaLnBrk="1" latinLnBrk="0" hangingPunct="1">
+        <a:lnSpc>
+          <a:spcPct val="90000"/>
+        </a:lnSpc>
+        <a:spcBef>
+          <a:spcPts val="500"/>
+        </a:spcBef>
+        <a:buFont typeface="Arial" panose="020B0604020202020204" pitchFamily="34" charset="0"/>
+        <a:buChar char="•"/>
+        <a:defRPr sz="2400" kern="1200">
+          <a:solidFill>
+            <a:schemeClr val="tx1"/>
+          </a:solidFill>
+          <a:latin typeface="+mn-lt"/>
+          <a:ea typeface="+mn-ea"/>
+          <a:cs typeface="+mn-cs"/>
+        </a:defRPr>
+      </a:lvl2pPr>
+      <a:lvl3pPr marL="1143000" indent="-228600" algn="l" defTabSz="914400" rtl="0" eaLnBrk="1" latinLnBrk="0" hangingPunct="1">
+        <a:lnSpc>
+          <a:spcPct val="90000"/>
+        </a:lnSpc>
+        <a:spcBef>
+          <a:spcPts val="500"/>
+        </a:spcBef>
+        <a:buFont typeface="Arial" panose="020B0604020202020204" pitchFamily="34" charset="0"/>
+        <a:buChar char="•"/>
+        <a:defRPr sz="2000" kern="1200">
+          <a:solidFill>
+            <a:schemeClr val="tx1"/>
+          </a:solidFill>
+          <a:latin typeface="+mn-lt"/>
+          <a:ea typeface="+mn-ea"/>
+          <a:cs typeface="+mn-cs"/>
+        </a:defRPr>
+      </a:lvl3pPr>
+      <a:lvl4pPr marL="1600200" indent="-228600" algn="l" defTabSz="914400" rtl="0" eaLnBrk="1" latinLnBrk="0" hangingPunct="1">
+        <a:lnSpc>
+          <a:spcPct val="90000"/>
+        </a:lnSpc>
+        <a:spcBef>
+          <a:spcPts val="500"/>
+        </a:spcBef>
+        <a:buFont typeface="Arial" panose="020B0604020202020204" pitchFamily="34" charset="0"/>
+        <a:buChar char="•"/>
+        <a:defRPr sz="1800" kern="1200">
+          <a:solidFill>
+            <a:schemeClr val="tx1"/>
+          </a:solidFill>
+          <a:latin typeface="+mn-lt"/>
+          <a:ea typeface="+mn-ea"/>
+          <a:cs typeface="+mn-cs"/>
+        </a:defRPr>
+      </a:lvl4pPr>
+      <a:lvl5pPr marL="2057400" indent="-228600" algn="l" defTabSz="914400" rtl="0" eaLnBrk="1" latinLnBrk="0" hangingPunct="1">
+        <a:lnSpc>
+          <a:spcPct val="90000"/>
+        </a:lnSpc>
+        <a:spcBef>
+          <a:spcPts val="500"/>
+        </a:spcBef>
+        <a:buFont typeface="Arial" panose="020B0604020202020204" pitchFamily="34" charset="0"/>
+        <a:buChar char="•"/>
+        <a:defRPr sz="1800" kern="1200">
+          <a:solidFill>
+            <a:schemeClr val="tx1"/>
+          </a:solidFill>
+          <a:latin typeface="+mn-lt"/>
+          <a:ea typeface="+mn-ea"/>
+          <a:cs typeface="+mn-cs"/>
+        </a:defRPr>
+      </a:lvl5pPr>
+      <a:lvl6pPr marL="2514600" indent="-228600" algn="l" defTabSz="914400" rtl="0" eaLnBrk="1" latinLnBrk="0" hangingPunct="1">
+        <a:lnSpc>
+          <a:spcPct val="90000"/>
+        </a:lnSpc>
+        <a:spcBef>
+          <a:spcPts val="500"/>
+        </a:spcBef>
+        <a:buFont typeface="Arial" panose="020B0604020202020204" pitchFamily="34" charset="0"/>
+        <a:buChar char="•"/>
+        <a:defRPr sz="1800" kern="1200">
+          <a:solidFill>
+            <a:schemeClr val="tx1"/>
+          </a:solidFill>
+          <a:latin typeface="+mn-lt"/>
+          <a:ea typeface="+mn-ea"/>
+          <a:cs typeface="+mn-cs"/>
+        </a:defRPr>
+      </a:lvl6pPr>
+      <a:lvl7pPr marL="2971800" indent="-228600" algn="l" defTabSz="914400" rtl="0" eaLnBrk="1" latinLnBrk="0" hangingPunct="1">
+        <a:lnSpc>
+          <a:spcPct val="90000"/>
+        </a:lnSpc>
+        <a:spcBef>
+          <a:spcPts val="500"/>
+        </a:spcBef>
+        <a:buFont typeface="Arial" panose="020B0604020202020204" pitchFamily="34" charset="0"/>
+        <a:buChar char="•"/>
+        <a:defRPr sz="1800" kern="1200">
+          <a:solidFill>
+            <a:schemeClr val="tx1"/>
+          </a:solidFill>
+          <a:latin typeface="+mn-lt"/>
+          <a:ea typeface="+mn-ea"/>
+          <a:cs typeface="+mn-cs"/>
+        </a:defRPr>
+      </a:lvl7pPr>
+      <a:lvl8pPr marL="3429000" indent="-228600" algn="l" defTabSz="914400" rtl="0" eaLnBrk="1" latinLnBrk="0" hangingPunct="1">
+        <a:lnSpc>
+          <a:spcPct val="90000"/>
+        </a:lnSpc>
+        <a:spcBef>
+          <a:spcPts val="500"/>
+        </a:spcBef>
+        <a:buFont typeface="Arial" panose="020B0604020202020204" pitchFamily="34" charset="0"/>
+        <a:buChar char="•"/>
+        <a:defRPr sz="1800" kern="1200">
+          <a:solidFill>
+            <a:schemeClr val="tx1"/>
+          </a:solidFill>
+          <a:latin typeface="+mn-lt"/>
+          <a:ea typeface="+mn-ea"/>
+          <a:cs typeface="+mn-cs"/>
+        </a:defRPr>
+      </a:lvl8pPr>
+      <a:lvl9pPr marL="3886200" indent="-228600" algn="l" defTabSz="914400" rtl="0" eaLnBrk="1" latinLnBrk="0" hangingPunct="1">
+        <a:lnSpc>
+          <a:spcPct val="90000"/>
+        </a:lnSpc>
+        <a:spcBef>
+          <a:spcPts val="500"/>
+        </a:spcBef>
+        <a:buFont typeface="Arial" panose="020B0604020202020204" pitchFamily="34" charset="0"/>
+        <a:buChar char="•"/>
+        <a:defRPr sz="1800" kern="1200">
+          <a:solidFill>
+            <a:schemeClr val="tx1"/>
+          </a:solidFill>
+          <a:latin typeface="+mn-lt"/>
+          <a:ea typeface="+mn-ea"/>
+          <a:cs typeface="+mn-cs"/>
+        </a:defRPr>
+      </a:lvl9pPr>
+    </p:bodyStyle>
+    <p:otherStyle>
+      <a:defPPr>
+        <a:defRPr lang="en-US"/>
+      </a:defPPr>
+      <a:lvl1pPr marL="0" algn="l" defTabSz="914400" rtl="0" eaLnBrk="1" latinLnBrk="0" hangingPunct="1">
+        <a:defRPr sz="1800" kern="1200">
+          <a:solidFill>
+            <a:schemeClr val="tx1"/>
+          </a:solidFill>
+          <a:latin typeface="+mn-lt"/>
+          <a:ea typeface="+mn-ea"/>
+          <a:cs typeface="+mn-cs"/>
+        </a:defRPr>
+      </a:lvl1pPr>
+      <a:lvl2pPr marL="457200" algn="l" defTabSz="914400" rtl="0" eaLnBrk="1" latinLnBrk="0" hangingPunct="1">
+        <a:defRPr sz="1800" kern="1200">
+          <a:solidFill>
+            <a:schemeClr val="tx1"/>
+          </a:solidFill>
+          <a:latin typeface="+mn-lt"/>
+          <a:ea typeface="+mn-ea"/>
+          <a:cs typeface="+mn-cs"/>
+        </a:defRPr>
+      </a:lvl2pPr>
+      <a:lvl3pPr marL="914400" algn="l" defTabSz="914400" rtl="0" eaLnBrk="1" latinLnBrk="0" hangingPunct="1">
+        <a:defRPr sz="1800" kern="1200">
+          <a:solidFill>
+            <a:schemeClr val="tx1"/>
+          </a:solidFill>
+          <a:latin typeface="+mn-lt"/>
+          <a:ea typeface="+mn-ea"/>
+          <a:cs typeface="+mn-cs"/>
+        </a:defRPr>
+      </a:lvl3pPr>
+      <a:lvl4pPr marL="1371600" algn="l" defTabSz="914400" rtl="0" eaLnBrk="1" latinLnBrk="0" hangingPunct="1">
+        <a:defRPr sz="1800" kern="1200">
+          <a:solidFill>
+            <a:schemeClr val="tx1"/>
+          </a:solidFill>
+          <a:latin typeface="+mn-lt"/>
+          <a:ea typeface="+mn-ea"/>
+          <a:cs typeface="+mn-cs"/>
+        </a:defRPr>
+      </a:lvl4pPr>
+      <a:lvl5pPr marL="1828800" algn="l" defTabSz="914400" rtl="0" eaLnBrk="1" latinLnBrk="0" hangingPunct="1">
+        <a:defRPr sz="1800" kern="1200">
+          <a:solidFill>
+            <a:schemeClr val="tx1"/>
+          </a:solidFill>
+          <a:latin typeface="+mn-lt"/>
+          <a:ea typeface="+mn-ea"/>
+          <a:cs typeface="+mn-cs"/>
+        </a:defRPr>
+      </a:lvl5pPr>
+      <a:lvl6pPr marL="2286000" algn="l" defTabSz="914400" rtl="0" eaLnBrk="1" latinLnBrk="0" hangingPunct="1">
+        <a:defRPr sz="1800" kern="1200">
+          <a:solidFill>
+            <a:schemeClr val="tx1"/>
+          </a:solidFill>
+          <a:latin typeface="+mn-lt"/>
+          <a:ea typeface="+mn-ea"/>
+          <a:cs typeface="+mn-cs"/>
+        </a:defRPr>
+      </a:lvl6pPr>
+      <a:lvl7pPr marL="2743200" algn="l" defTabSz="914400" rtl="0" eaLnBrk="1" latinLnBrk="0" hangingPunct="1">
+        <a:defRPr sz="1800" kern="1200">
+          <a:solidFill>
+            <a:schemeClr val="tx1"/>
+          </a:solidFill>
+          <a:latin typeface="+mn-lt"/>
+          <a:ea typeface="+mn-ea"/>
+          <a:cs typeface="+mn-cs"/>
+        </a:defRPr>
+      </a:lvl7pPr>
+      <a:lvl8pPr marL="3200400" algn="l" defTabSz="914400" rtl="0" eaLnBrk="1" latinLnBrk="0" hangingPunct="1">
+        <a:defRPr sz="1800" kern="1200">
+          <a:solidFill>
+            <a:schemeClr val="tx1"/>
+          </a:solidFill>
+          <a:latin typeface="+mn-lt"/>
+          <a:ea typeface="+mn-ea"/>
+          <a:cs typeface="+mn-cs"/>
+        </a:defRPr>
+      </a:lvl8pPr>
+      <a:lvl9pPr marL="3657600" algn="l" defTabSz="914400" rtl="0" eaLnBrk="1" latinLnBrk="0" hangingPunct="1">
+        <a:defRPr sz="1800" kern="1200">
+          <a:solidFill>
+            <a:schemeClr val="tx1"/>
+          </a:solidFill>
+          <a:latin typeface="+mn-lt"/>
+          <a:ea typeface="+mn-ea"/>
+          <a:cs typeface="+mn-cs"/>
+        </a:defRPr>
+      </a:lvl9pPr>
+    </p:otherStyle>
+  </p:txStyles>
+</p:sldMaster>
+</file>
+
+<file path=ppt/slides/slide1.xml><?xml version="1.0" encoding="utf-8"?>
+<p:sld xmlns:a="http://schemas.openxmlformats.org/drawingml/2006/main" xmlns:r="http://schemas.openxmlformats.org/officeDocument/2006/relationships" xmlns:p="http://schemas.openxmlformats.org/presentationml/2006/main">
   <p:cSld>
     <p:spTree>
       <p:nvGrpSpPr>
@@ -1190,7 +1932,7 @@
       </p:grpSpPr>
       <p:sp>
         <p:nvSpPr>
-          <p:cNvPr id="0" name="PlaceHolder 1"/>
+          <p:cNvPr id="2" name="Title 1"/>
           <p:cNvSpPr>
             <a:spLocks noGrp="1"/>
           </p:cNvSpPr>
@@ -1198,32 +1940,22 @@
             <p:ph type="title"/>
           </p:nvPr>
         </p:nvSpPr>
-        <p:spPr>
-          <a:xfrm>
-            <a:off x="504000" y="301320"/>
-            <a:ext cx="9071640" cy="1262160"/>
-          </a:xfrm>
-          <a:prstGeom prst="rect">
-            <a:avLst/>
-          </a:prstGeom>
-        </p:spPr>
-        <p:txBody>
-          <a:bodyPr lIns="0" rIns="0" tIns="0" bIns="0" anchor="ctr"/>
-          <a:p>
-            <a:pPr algn="ctr"/>
-            <a:r>
-              <a:rPr lang="en-US" sz="4400">
-                <a:latin typeface="Arial"/>
-              </a:rPr>
-              <a:t>Click to edit the title text format</a:t>
-            </a:r>
-            <a:endParaRPr/>
-          </a:p>
-        </p:txBody>
-      </p:sp>
-      <p:sp>
-        <p:nvSpPr>
-          <p:cNvPr id="1" name="PlaceHolder 2"/>
+        <p:spPr/>
+        <p:txBody>
+          <a:bodyPr/>
+          <a:lstStyle/>
+          <a:p>
+            <a:r>
+              <a:rPr lang="en-US" dirty="0" smtClean="0"/>
+              <a:t>Domain and Business</a:t>
+            </a:r>
+            <a:endParaRPr lang="en-US" dirty="0"/>
+          </a:p>
+        </p:txBody>
+      </p:sp>
+      <p:sp>
+        <p:nvSpPr>
+          <p:cNvPr id="3" name="Text Placeholder 2"/>
           <p:cNvSpPr>
             <a:spLocks noGrp="1"/>
           </p:cNvSpPr>
@@ -1233,235 +1965,96 @@
         </p:nvSpPr>
         <p:spPr>
           <a:xfrm>
-            <a:off x="504000" y="1769040"/>
-            <a:ext cx="9071640" cy="4384440"/>
-          </a:xfrm>
-          <a:prstGeom prst="rect">
-            <a:avLst/>
-          </a:prstGeom>
-        </p:spPr>
-        <p:txBody>
-          <a:bodyPr lIns="0" rIns="0" tIns="0" bIns="0"/>
-          <a:p>
-            <a:pPr>
-              <a:buSzPct val="45000"/>
-              <a:buFont typeface="StarSymbol"/>
-              <a:buChar char=""/>
+            <a:off x="504000" y="1769039"/>
+            <a:ext cx="9071640" cy="4703949"/>
+          </a:xfrm>
+        </p:spPr>
+        <p:txBody>
+          <a:bodyPr/>
+          <a:lstStyle/>
+          <a:p>
+            <a:r>
+              <a:rPr lang="en-US" dirty="0" smtClean="0"/>
+              <a:t>Developers</a:t>
+            </a:r>
+          </a:p>
+          <a:p>
+            <a:pPr lvl="1"/>
+            <a:r>
+              <a:rPr lang="en-US" dirty="0" smtClean="0"/>
+              <a:t>Tracking bug-fixing commits</a:t>
+            </a:r>
+          </a:p>
+          <a:p>
+            <a:pPr lvl="1"/>
+            <a:r>
+              <a:rPr lang="en-US" dirty="0" smtClean="0"/>
+              <a:t>Testing code before pulling into project master</a:t>
+            </a:r>
+          </a:p>
+          <a:p>
+            <a:pPr marL="457200" lvl="1" indent="0">
+              <a:buNone/>
             </a:pPr>
-            <a:r>
-              <a:rPr lang="en-US" sz="3200">
-                <a:latin typeface="Arial"/>
-              </a:rPr>
-              <a:t>Click to edit the outline text format</a:t>
-            </a:r>
-            <a:endParaRPr/>
-          </a:p>
-          <a:p>
-            <a:pPr lvl="1">
-              <a:buSzPct val="75000"/>
-              <a:buFont typeface="StarSymbol"/>
-              <a:buChar char=""/>
+            <a:endParaRPr lang="en-US" dirty="0" smtClean="0"/>
+          </a:p>
+          <a:p>
+            <a:r>
+              <a:rPr lang="en-US" dirty="0" smtClean="0"/>
+              <a:t>Project Managers</a:t>
+            </a:r>
+          </a:p>
+          <a:p>
+            <a:pPr lvl="1"/>
+            <a:r>
+              <a:rPr lang="en-US" dirty="0" smtClean="0"/>
+              <a:t>Assigning troublesome tasks to more experienced developers</a:t>
+            </a:r>
+          </a:p>
+          <a:p>
+            <a:pPr marL="457200" lvl="1" indent="0">
+              <a:buNone/>
             </a:pPr>
-            <a:r>
-              <a:rPr lang="en-US" sz="2800">
-                <a:latin typeface="Arial"/>
-              </a:rPr>
-              <a:t>Second Outline Level</a:t>
-            </a:r>
-            <a:endParaRPr/>
-          </a:p>
-          <a:p>
-            <a:pPr lvl="2">
-              <a:buSzPct val="45000"/>
-              <a:buFont typeface="StarSymbol"/>
-              <a:buChar char=""/>
-            </a:pPr>
-            <a:r>
-              <a:rPr lang="en-US" sz="2400">
-                <a:latin typeface="Arial"/>
-              </a:rPr>
-              <a:t>Third Outline Level</a:t>
-            </a:r>
-            <a:endParaRPr/>
-          </a:p>
-          <a:p>
-            <a:pPr lvl="3">
-              <a:buSzPct val="75000"/>
-              <a:buFont typeface="StarSymbol"/>
-              <a:buChar char=""/>
-            </a:pPr>
-            <a:r>
-              <a:rPr lang="en-US" sz="2000">
-                <a:latin typeface="Arial"/>
-              </a:rPr>
-              <a:t>Fourth Outline Level</a:t>
-            </a:r>
-            <a:endParaRPr/>
-          </a:p>
-          <a:p>
-            <a:pPr lvl="4">
-              <a:buSzPct val="45000"/>
-              <a:buFont typeface="StarSymbol"/>
-              <a:buChar char=""/>
-            </a:pPr>
-            <a:r>
-              <a:rPr lang="en-US" sz="2000">
-                <a:latin typeface="Arial"/>
-              </a:rPr>
-              <a:t>Fifth Outline Level</a:t>
-            </a:r>
-            <a:endParaRPr/>
-          </a:p>
-          <a:p>
-            <a:pPr lvl="5">
-              <a:buSzPct val="45000"/>
-              <a:buFont typeface="StarSymbol"/>
-              <a:buChar char=""/>
-            </a:pPr>
-            <a:r>
-              <a:rPr lang="en-US" sz="2000">
-                <a:latin typeface="Arial"/>
-              </a:rPr>
-              <a:t>Sixth Outline Level</a:t>
-            </a:r>
-            <a:endParaRPr/>
-          </a:p>
-          <a:p>
-            <a:pPr lvl="6">
-              <a:buSzPct val="45000"/>
-              <a:buFont typeface="StarSymbol"/>
-              <a:buChar char=""/>
-            </a:pPr>
-            <a:r>
-              <a:rPr lang="en-US" sz="2000">
-                <a:latin typeface="Arial"/>
-              </a:rPr>
-              <a:t>Seventh Outline Level</a:t>
-            </a:r>
-            <a:endParaRPr/>
-          </a:p>
-        </p:txBody>
-      </p:sp>
-      <p:sp>
-        <p:nvSpPr>
-          <p:cNvPr id="2" name="PlaceHolder 3"/>
-          <p:cNvSpPr>
-            <a:spLocks noGrp="1"/>
-          </p:cNvSpPr>
-          <p:nvPr>
-            <p:ph type="dt"/>
-          </p:nvPr>
-        </p:nvSpPr>
-        <p:spPr>
-          <a:xfrm>
-            <a:off x="504000" y="6887160"/>
-            <a:ext cx="2348280" cy="521280"/>
-          </a:xfrm>
-          <a:prstGeom prst="rect">
-            <a:avLst/>
-          </a:prstGeom>
-        </p:spPr>
-        <p:txBody>
-          <a:bodyPr lIns="0" rIns="0" tIns="0" bIns="0"/>
-          <a:p>
-            <a:r>
-              <a:rPr lang="en-US" sz="1400">
-                <a:latin typeface="Times New Roman"/>
-              </a:rPr>
-              <a:t>&lt;date/time&gt;</a:t>
-            </a:r>
-            <a:endParaRPr/>
-          </a:p>
-        </p:txBody>
-      </p:sp>
-      <p:sp>
-        <p:nvSpPr>
-          <p:cNvPr id="3" name="PlaceHolder 4"/>
-          <p:cNvSpPr>
-            <a:spLocks noGrp="1"/>
-          </p:cNvSpPr>
-          <p:nvPr>
-            <p:ph type="ftr"/>
-          </p:nvPr>
-        </p:nvSpPr>
-        <p:spPr>
-          <a:xfrm>
-            <a:off x="3447360" y="6887160"/>
-            <a:ext cx="3195000" cy="521280"/>
-          </a:xfrm>
-          <a:prstGeom prst="rect">
-            <a:avLst/>
-          </a:prstGeom>
-        </p:spPr>
-        <p:txBody>
-          <a:bodyPr lIns="0" rIns="0" tIns="0" bIns="0"/>
-          <a:p>
-            <a:pPr algn="ctr"/>
-            <a:r>
-              <a:rPr lang="en-US" sz="1400">
-                <a:latin typeface="Times New Roman"/>
-              </a:rPr>
-              <a:t>&lt;footer&gt;</a:t>
-            </a:r>
-            <a:endParaRPr/>
-          </a:p>
-        </p:txBody>
-      </p:sp>
-      <p:sp>
-        <p:nvSpPr>
-          <p:cNvPr id="4" name="PlaceHolder 5"/>
-          <p:cNvSpPr>
-            <a:spLocks noGrp="1"/>
-          </p:cNvSpPr>
-          <p:nvPr>
-            <p:ph type="sldNum"/>
-          </p:nvPr>
-        </p:nvSpPr>
-        <p:spPr>
-          <a:xfrm>
-            <a:off x="7227360" y="6887160"/>
-            <a:ext cx="2348280" cy="521280"/>
-          </a:xfrm>
-          <a:prstGeom prst="rect">
-            <a:avLst/>
-          </a:prstGeom>
-        </p:spPr>
-        <p:txBody>
-          <a:bodyPr lIns="0" rIns="0" tIns="0" bIns="0"/>
-          <a:p>
-            <a:pPr algn="r"/>
-            <a:fld id="{B1E7739F-597D-43C3-ADAF-CB676F43BF36}" type="slidenum">
-              <a:rPr lang="en-US" sz="1400">
-                <a:latin typeface="Times New Roman"/>
-              </a:rPr>
-              <a:t>&lt;number&gt;</a:t>
-            </a:fld>
-            <a:endParaRPr/>
+            <a:endParaRPr lang="en-US" dirty="0" smtClean="0"/>
+          </a:p>
+          <a:p>
+            <a:r>
+              <a:rPr lang="en-US" dirty="0" smtClean="0"/>
+              <a:t>Open Source Contributors</a:t>
+            </a:r>
+          </a:p>
+          <a:p>
+            <a:pPr lvl="1"/>
+            <a:r>
+              <a:rPr lang="en-US" dirty="0" smtClean="0"/>
+              <a:t>Looking to contribute code to most relevant portions of the codebase</a:t>
+            </a:r>
+            <a:endParaRPr lang="en-US" dirty="0"/>
           </a:p>
         </p:txBody>
       </p:sp>
     </p:spTree>
+    <p:extLst>
+      <p:ext uri="{BB962C8B-B14F-4D97-AF65-F5344CB8AC3E}">
+        <p14:creationId xmlns:p14="http://schemas.microsoft.com/office/powerpoint/2010/main" val="3647782228"/>
+      </p:ext>
+    </p:extLst>
   </p:cSld>
-  <p:clrMap bg1="lt1" bg2="lt2" tx1="dk1" tx2="dk2" accent1="accent1" accent2="accent2" accent3="accent3" accent4="accent4" accent5="accent5" accent6="accent6" hlink="hlink" folHlink="folHlink"/>
-  <p:sldLayoutIdLst>
-    <p:sldLayoutId id="2147483649" r:id="rId2"/>
-    <p:sldLayoutId id="2147483650" r:id="rId3"/>
-    <p:sldLayoutId id="2147483651" r:id="rId4"/>
-    <p:sldLayoutId id="2147483652" r:id="rId5"/>
-    <p:sldLayoutId id="2147483653" r:id="rId6"/>
-    <p:sldLayoutId id="2147483654" r:id="rId7"/>
-    <p:sldLayoutId id="2147483655" r:id="rId8"/>
-    <p:sldLayoutId id="2147483656" r:id="rId9"/>
-    <p:sldLayoutId id="2147483657" r:id="rId10"/>
-    <p:sldLayoutId id="2147483658" r:id="rId11"/>
-    <p:sldLayoutId id="2147483659" r:id="rId12"/>
-    <p:sldLayoutId id="2147483660" r:id="rId13"/>
-  </p:sldLayoutIdLst>
-</p:sldMaster>
+  <p:clrMapOvr>
+    <a:masterClrMapping/>
+  </p:clrMapOvr>
+  <p:timing>
+    <p:tnLst>
+      <p:par>
+        <p:cTn id="1" dur="indefinite" restart="never" nodeType="tmRoot"/>
+      </p:par>
+    </p:tnLst>
+  </p:timing>
+</p:sld>
 </file>
 
-<file path=ppt/slides/slide1.xml><?xml version="1.0" encoding="utf-8"?>
-<p:sld xmlns:a="http://schemas.openxmlformats.org/drawingml/2006/main" xmlns:p="http://schemas.openxmlformats.org/presentationml/2006/main" xmlns:r="http://schemas.openxmlformats.org/officeDocument/2006/relationships">
+<file path=ppt/slides/slide2.xml><?xml version="1.0" encoding="utf-8"?>
+<p:sld xmlns:a="http://schemas.openxmlformats.org/drawingml/2006/main" xmlns:r="http://schemas.openxmlformats.org/officeDocument/2006/relationships" xmlns:p="http://schemas.openxmlformats.org/presentationml/2006/main">
   <p:cSld>
     <p:spTree>
       <p:nvGrpSpPr>
@@ -1479,343 +2072,140 @@
       </p:grpSpPr>
       <p:sp>
         <p:nvSpPr>
-          <p:cNvPr id="39" name="TextShape 1"/>
-          <p:cNvSpPr txBox="1"/>
-          <p:nvPr/>
-        </p:nvSpPr>
-        <p:spPr>
-          <a:xfrm>
-            <a:off x="504000" y="301320"/>
-            <a:ext cx="9071640" cy="1262160"/>
-          </a:xfrm>
-          <a:prstGeom prst="rect">
-            <a:avLst/>
-          </a:prstGeom>
-        </p:spPr>
-        <p:txBody>
-          <a:bodyPr lIns="0" rIns="0" tIns="0" bIns="0" anchor="ctr"/>
-          <a:p>
-            <a:pPr algn="ctr"/>
-            <a:r>
-              <a:rPr lang="en-US" sz="4400">
-                <a:latin typeface="Arial"/>
-              </a:rPr>
-              <a:t>Domain</a:t>
-            </a:r>
-            <a:endParaRPr/>
-          </a:p>
-        </p:txBody>
-      </p:sp>
-      <p:sp>
-        <p:nvSpPr>
-          <p:cNvPr id="40" name="TextShape 2"/>
-          <p:cNvSpPr txBox="1"/>
-          <p:nvPr/>
-        </p:nvSpPr>
-        <p:spPr>
-          <a:xfrm>
-            <a:off x="504000" y="1769040"/>
-            <a:ext cx="9071640" cy="4384440"/>
-          </a:xfrm>
-          <a:prstGeom prst="rect">
-            <a:avLst/>
-          </a:prstGeom>
-        </p:spPr>
-        <p:txBody>
-          <a:bodyPr lIns="0" rIns="0" tIns="0" bIns="0"/>
-          <a:p>
-            <a:pPr>
-              <a:buSzPct val="45000"/>
-              <a:buFont typeface="StarSymbol"/>
-              <a:buChar char=""/>
-            </a:pPr>
-            <a:r>
-              <a:rPr lang="en-US" sz="3200">
-                <a:latin typeface="Arial"/>
-              </a:rPr>
-              <a:t>Developers using </a:t>
-            </a:r>
-            <a:r>
-              <a:rPr i="1" lang="en-US" sz="3200">
-                <a:latin typeface="Arial"/>
-              </a:rPr>
-              <a:t>git repositories</a:t>
-            </a:r>
-            <a:endParaRPr/>
-          </a:p>
-          <a:p>
-            <a:pPr lvl="1">
-              <a:buSzPct val="75000"/>
-              <a:buFont typeface="StarSymbol"/>
-              <a:buChar char=""/>
-            </a:pPr>
-            <a:r>
-              <a:rPr lang="en-US" sz="2800">
-                <a:latin typeface="Arial"/>
-              </a:rPr>
-              <a:t>Tracking bug-fixing commits</a:t>
-            </a:r>
-            <a:endParaRPr/>
-          </a:p>
-          <a:p>
-            <a:pPr lvl="1">
-              <a:buSzPct val="75000"/>
-              <a:buFont typeface="StarSymbol"/>
-              <a:buChar char=""/>
-            </a:pPr>
-            <a:r>
-              <a:rPr lang="en-US" sz="2800">
-                <a:latin typeface="Arial"/>
-              </a:rPr>
-              <a:t>Testing code before pulling into project</a:t>
-            </a:r>
-            <a:endParaRPr/>
-          </a:p>
-          <a:p>
-            <a:pPr>
-              <a:buSzPct val="45000"/>
-              <a:buFont typeface="StarSymbol"/>
-              <a:buChar char=""/>
-            </a:pPr>
-            <a:r>
-              <a:rPr lang="en-US" sz="3200">
-                <a:latin typeface="Arial"/>
-              </a:rPr>
-              <a:t>Project managers</a:t>
-            </a:r>
-            <a:endParaRPr/>
-          </a:p>
-          <a:p>
-            <a:pPr lvl="1">
-              <a:buSzPct val="75000"/>
-              <a:buFont typeface="StarSymbol"/>
-              <a:buChar char=""/>
-            </a:pPr>
-            <a:r>
-              <a:rPr lang="en-US" sz="2800">
-                <a:latin typeface="Arial"/>
-              </a:rPr>
-              <a:t>Assigning complex tasks to more experienced developers</a:t>
-            </a:r>
-            <a:endParaRPr/>
-          </a:p>
-          <a:p>
-            <a:pPr>
-              <a:buSzPct val="45000"/>
-              <a:buFont typeface="StarSymbol"/>
-              <a:buChar char=""/>
-            </a:pPr>
-            <a:r>
-              <a:rPr lang="en-US" sz="3200">
-                <a:latin typeface="Arial"/>
-              </a:rPr>
-              <a:t>Open Source Contributors</a:t>
-            </a:r>
-            <a:endParaRPr/>
-          </a:p>
-          <a:p>
-            <a:pPr lvl="1">
-              <a:buSzPct val="75000"/>
-              <a:buFont typeface="StarSymbol"/>
-              <a:buChar char=""/>
-            </a:pPr>
-            <a:r>
-              <a:rPr lang="en-US" sz="2800">
-                <a:latin typeface="Arial"/>
-              </a:rPr>
-              <a:t>Looking to contribute code to relevant portions of codebase</a:t>
-            </a:r>
-            <a:endParaRPr/>
+          <p:cNvPr id="2" name="Title 1"/>
+          <p:cNvSpPr>
+            <a:spLocks noGrp="1"/>
+          </p:cNvSpPr>
+          <p:nvPr>
+            <p:ph type="title"/>
+          </p:nvPr>
+        </p:nvSpPr>
+        <p:spPr/>
+        <p:txBody>
+          <a:bodyPr/>
+          <a:lstStyle/>
+          <a:p>
+            <a:r>
+              <a:rPr lang="en-US" dirty="0" smtClean="0"/>
+              <a:t>Quality Management</a:t>
+            </a:r>
+            <a:endParaRPr lang="en-US" dirty="0"/>
+          </a:p>
+        </p:txBody>
+      </p:sp>
+      <p:sp>
+        <p:nvSpPr>
+          <p:cNvPr id="3" name="Text Placeholder 2"/>
+          <p:cNvSpPr>
+            <a:spLocks noGrp="1"/>
+          </p:cNvSpPr>
+          <p:nvPr>
+            <p:ph type="body"/>
+          </p:nvPr>
+        </p:nvSpPr>
+        <p:spPr>
+          <a:xfrm>
+            <a:off x="504000" y="1769039"/>
+            <a:ext cx="9071640" cy="5016771"/>
+          </a:xfrm>
+        </p:spPr>
+        <p:txBody>
+          <a:bodyPr/>
+          <a:lstStyle/>
+          <a:p>
+            <a:r>
+              <a:rPr lang="en-US" dirty="0" smtClean="0"/>
+              <a:t>Code review upon pull request</a:t>
+            </a:r>
+          </a:p>
+          <a:p>
+            <a:pPr lvl="1"/>
+            <a:r>
+              <a:rPr lang="en-US" dirty="0" smtClean="0"/>
+              <a:t>Passes Tests</a:t>
+            </a:r>
+          </a:p>
+          <a:p>
+            <a:pPr lvl="1"/>
+            <a:r>
+              <a:rPr lang="en-US" dirty="0" smtClean="0"/>
+              <a:t>Readability</a:t>
+            </a:r>
+          </a:p>
+          <a:p>
+            <a:pPr lvl="1"/>
+            <a:r>
+              <a:rPr lang="en-US" dirty="0" smtClean="0"/>
+              <a:t>Sufficiently Commented</a:t>
+            </a:r>
+          </a:p>
+          <a:p>
+            <a:r>
+              <a:rPr lang="en-US" dirty="0" smtClean="0"/>
+              <a:t>Staying on Target</a:t>
+            </a:r>
+          </a:p>
+          <a:p>
+            <a:pPr lvl="1"/>
+            <a:r>
+              <a:rPr lang="en-US" dirty="0" smtClean="0"/>
+              <a:t>Follows Project Specification</a:t>
+            </a:r>
+          </a:p>
+          <a:p>
+            <a:pPr lvl="1"/>
+            <a:r>
+              <a:rPr lang="en-US" dirty="0" smtClean="0"/>
+              <a:t>Client Feedback</a:t>
+            </a:r>
+          </a:p>
+          <a:p>
+            <a:r>
+              <a:rPr lang="en-US" dirty="0" smtClean="0"/>
+              <a:t>Compare Performance to Similar Products</a:t>
+            </a:r>
+          </a:p>
+          <a:p>
+            <a:pPr lvl="1"/>
+            <a:r>
+              <a:rPr lang="en-US" dirty="0" smtClean="0"/>
+              <a:t>Speed</a:t>
+            </a:r>
+          </a:p>
+          <a:p>
+            <a:pPr lvl="1"/>
+            <a:r>
+              <a:rPr lang="en-US" dirty="0" smtClean="0"/>
+              <a:t>Accuracy</a:t>
+            </a:r>
+          </a:p>
+          <a:p>
+            <a:pPr lvl="1"/>
+            <a:r>
+              <a:rPr lang="en-US" dirty="0" smtClean="0"/>
+              <a:t>Usability</a:t>
+            </a:r>
+          </a:p>
+          <a:p>
+            <a:pPr lvl="1"/>
+            <a:endParaRPr lang="en-US" dirty="0"/>
           </a:p>
         </p:txBody>
       </p:sp>
     </p:spTree>
+    <p:extLst>
+      <p:ext uri="{BB962C8B-B14F-4D97-AF65-F5344CB8AC3E}">
+        <p14:creationId xmlns:p14="http://schemas.microsoft.com/office/powerpoint/2010/main" val="3891965278"/>
+      </p:ext>
+    </p:extLst>
   </p:cSld>
+  <p:clrMapOvr>
+    <a:masterClrMapping/>
+  </p:clrMapOvr>
   <p:timing>
     <p:tnLst>
       <p:par>
-        <p:cTn id="1" dur="indefinite" restart="never" nodeType="tmRoot">
-          <p:childTnLst>
-            <p:seq>
-              <p:cTn id="2" nodeType="mainSeq"/>
-              <p:prevCondLst>
-                <p:cond delay="0" evt="onPrev">
-                  <p:tgtEl>
-                    <p:sldTgt/>
-                  </p:tgtEl>
-                </p:cond>
-              </p:prevCondLst>
-              <p:nextCondLst>
-                <p:cond delay="0" evt="onNext">
-                  <p:tgtEl>
-                    <p:sldTgt/>
-                  </p:tgtEl>
-                </p:cond>
-              </p:nextCondLst>
-            </p:seq>
-          </p:childTnLst>
-        </p:cTn>
-      </p:par>
-    </p:tnLst>
-  </p:timing>
-</p:sld>
-</file>
-
-<file path=ppt/slides/slide2.xml><?xml version="1.0" encoding="utf-8"?>
-<p:sld xmlns:a="http://schemas.openxmlformats.org/drawingml/2006/main" xmlns:p="http://schemas.openxmlformats.org/presentationml/2006/main" xmlns:r="http://schemas.openxmlformats.org/officeDocument/2006/relationships">
-  <p:cSld>
-    <p:spTree>
-      <p:nvGrpSpPr>
-        <p:cNvPr id="1" name=""/>
-        <p:cNvGrpSpPr/>
-        <p:nvPr/>
-      </p:nvGrpSpPr>
-      <p:grpSpPr>
-        <a:xfrm>
-          <a:off x="0" y="0"/>
-          <a:ext cx="0" cy="0"/>
-          <a:chOff x="0" y="0"/>
-          <a:chExt cx="0" cy="0"/>
-        </a:xfrm>
-      </p:grpSpPr>
-      <p:sp>
-        <p:nvSpPr>
-          <p:cNvPr id="41" name="TextShape 1"/>
-          <p:cNvSpPr txBox="1"/>
-          <p:nvPr/>
-        </p:nvSpPr>
-        <p:spPr>
-          <a:xfrm>
-            <a:off x="504000" y="301320"/>
-            <a:ext cx="9071640" cy="1262160"/>
-          </a:xfrm>
-          <a:prstGeom prst="rect">
-            <a:avLst/>
-          </a:prstGeom>
-        </p:spPr>
-        <p:txBody>
-          <a:bodyPr lIns="0" rIns="0" tIns="0" bIns="0" anchor="ctr"/>
-          <a:p>
-            <a:pPr algn="ctr"/>
-            <a:r>
-              <a:rPr lang="en-US" sz="4400">
-                <a:latin typeface="Arial"/>
-              </a:rPr>
-              <a:t>Quality Management</a:t>
-            </a:r>
-            <a:endParaRPr/>
-          </a:p>
-        </p:txBody>
-      </p:sp>
-      <p:sp>
-        <p:nvSpPr>
-          <p:cNvPr id="42" name="TextShape 2"/>
-          <p:cNvSpPr txBox="1"/>
-          <p:nvPr/>
-        </p:nvSpPr>
-        <p:spPr>
-          <a:xfrm>
-            <a:off x="504000" y="1769040"/>
-            <a:ext cx="9071640" cy="4384440"/>
-          </a:xfrm>
-          <a:prstGeom prst="rect">
-            <a:avLst/>
-          </a:prstGeom>
-        </p:spPr>
-        <p:txBody>
-          <a:bodyPr lIns="0" rIns="0" tIns="0" bIns="0"/>
-          <a:p>
-            <a:pPr>
-              <a:buSzPct val="45000"/>
-              <a:buFont typeface="StarSymbol"/>
-              <a:buChar char=""/>
-            </a:pPr>
-            <a:r>
-              <a:rPr lang="en-US" sz="3200">
-                <a:latin typeface="Arial"/>
-              </a:rPr>
-              <a:t>Code review upon pull request</a:t>
-            </a:r>
-            <a:endParaRPr/>
-          </a:p>
-          <a:p>
-            <a:pPr lvl="1">
-              <a:buSzPct val="75000"/>
-              <a:buFont typeface="StarSymbol"/>
-              <a:buChar char=""/>
-            </a:pPr>
-            <a:r>
-              <a:rPr lang="en-US" sz="2800">
-                <a:latin typeface="Arial"/>
-              </a:rPr>
-              <a:t>Code must pass unit tests</a:t>
-            </a:r>
-            <a:endParaRPr/>
-          </a:p>
-          <a:p>
-            <a:pPr lvl="1">
-              <a:buSzPct val="75000"/>
-              <a:buFont typeface="StarSymbol"/>
-              <a:buChar char=""/>
-            </a:pPr>
-            <a:r>
-              <a:rPr lang="en-US" sz="2800">
-                <a:latin typeface="Arial"/>
-              </a:rPr>
-              <a:t>Readability and style</a:t>
-            </a:r>
-            <a:endParaRPr/>
-          </a:p>
-          <a:p>
-            <a:pPr lvl="1">
-              <a:buSzPct val="75000"/>
-              <a:buFont typeface="StarSymbol"/>
-              <a:buChar char=""/>
-            </a:pPr>
-            <a:r>
-              <a:rPr lang="en-US" sz="2800">
-                <a:latin typeface="Arial"/>
-              </a:rPr>
-              <a:t>Commented per client's request</a:t>
-            </a:r>
-            <a:endParaRPr/>
-          </a:p>
-          <a:p>
-            <a:pPr>
-              <a:buSzPct val="45000"/>
-              <a:buFont typeface="StarSymbol"/>
-              <a:buChar char=""/>
-            </a:pPr>
-            <a:endParaRPr/>
-          </a:p>
-        </p:txBody>
-      </p:sp>
-    </p:spTree>
-  </p:cSld>
-  <p:timing>
-    <p:tnLst>
-      <p:par>
-        <p:cTn id="3" dur="indefinite" restart="never" nodeType="tmRoot">
-          <p:childTnLst>
-            <p:seq>
-              <p:cTn id="4" nodeType="mainSeq"/>
-              <p:prevCondLst>
-                <p:cond delay="0" evt="onPrev">
-                  <p:tgtEl>
-                    <p:sldTgt/>
-                  </p:tgtEl>
-                </p:cond>
-              </p:prevCondLst>
-              <p:nextCondLst>
-                <p:cond delay="0" evt="onNext">
-                  <p:tgtEl>
-                    <p:sldTgt/>
-                  </p:tgtEl>
-                </p:cond>
-              </p:nextCondLst>
-            </p:seq>
-          </p:childTnLst>
-        </p:cTn>
+        <p:cTn id="1" dur="indefinite" restart="never" nodeType="tmRoot"/>
       </p:par>
     </p:tnLst>
   </p:timing>
@@ -2042,5 +2432,7 @@
       </a:bgFillStyleLst>
     </a:fmtScheme>
   </a:themeElements>
+  <a:objectDefaults/>
+  <a:extraClrSchemeLst/>
 </a:theme>
 </file>